--- a/513 - We Gather Together.pptx
+++ b/513 - We Gather Together.pptx
@@ -114,10 +114,6 @@
 </p:presentation>
 </file>
 
-<file path=ppt/revisionInfo.xml><?xml version="1.0" encoding="utf-8"?>
-<p1510:revInfo xmlns:a="http://schemas.openxmlformats.org/drawingml/2006/main" xmlns:r="http://schemas.openxmlformats.org/officeDocument/2006/relationships" xmlns:p1510="http://schemas.microsoft.com/office/powerpoint/2015/10/main"/>
-</file>
-
 <file path=ppt/slideLayouts/slideLayout1.xml><?xml version="1.0" encoding="utf-8"?>
 <p:sldLayout xmlns:a="http://schemas.openxmlformats.org/drawingml/2006/main" xmlns:r="http://schemas.openxmlformats.org/officeDocument/2006/relationships" xmlns:p="http://schemas.openxmlformats.org/presentationml/2006/main" type="title" preserve="1">
   <p:cSld name="Title Slide">
@@ -247,7 +243,7 @@
           <a:p>
             <a:fld id="{32F7251A-AE54-443C-B8FE-5F636E835EBF}" type="datetimeFigureOut">
               <a:rPr lang="en-US" smtClean="0"/>
-              <a:t>12/31/2017</a:t>
+              <a:t>7/12/2020</a:t>
             </a:fld>
             <a:endParaRPr lang="en-US"/>
           </a:p>
@@ -415,7 +411,7 @@
           <a:p>
             <a:fld id="{32F7251A-AE54-443C-B8FE-5F636E835EBF}" type="datetimeFigureOut">
               <a:rPr lang="en-US" smtClean="0"/>
-              <a:t>12/31/2017</a:t>
+              <a:t>7/12/2020</a:t>
             </a:fld>
             <a:endParaRPr lang="en-US"/>
           </a:p>
@@ -593,7 +589,7 @@
           <a:p>
             <a:fld id="{32F7251A-AE54-443C-B8FE-5F636E835EBF}" type="datetimeFigureOut">
               <a:rPr lang="en-US" smtClean="0"/>
-              <a:t>12/31/2017</a:t>
+              <a:t>7/12/2020</a:t>
             </a:fld>
             <a:endParaRPr lang="en-US"/>
           </a:p>
@@ -761,7 +757,7 @@
           <a:p>
             <a:fld id="{32F7251A-AE54-443C-B8FE-5F636E835EBF}" type="datetimeFigureOut">
               <a:rPr lang="en-US" smtClean="0"/>
-              <a:t>12/31/2017</a:t>
+              <a:t>7/12/2020</a:t>
             </a:fld>
             <a:endParaRPr lang="en-US"/>
           </a:p>
@@ -1006,7 +1002,7 @@
           <a:p>
             <a:fld id="{32F7251A-AE54-443C-B8FE-5F636E835EBF}" type="datetimeFigureOut">
               <a:rPr lang="en-US" smtClean="0"/>
-              <a:t>12/31/2017</a:t>
+              <a:t>7/12/2020</a:t>
             </a:fld>
             <a:endParaRPr lang="en-US"/>
           </a:p>
@@ -1235,7 +1231,7 @@
           <a:p>
             <a:fld id="{32F7251A-AE54-443C-B8FE-5F636E835EBF}" type="datetimeFigureOut">
               <a:rPr lang="en-US" smtClean="0"/>
-              <a:t>12/31/2017</a:t>
+              <a:t>7/12/2020</a:t>
             </a:fld>
             <a:endParaRPr lang="en-US"/>
           </a:p>
@@ -1599,7 +1595,7 @@
           <a:p>
             <a:fld id="{32F7251A-AE54-443C-B8FE-5F636E835EBF}" type="datetimeFigureOut">
               <a:rPr lang="en-US" smtClean="0"/>
-              <a:t>12/31/2017</a:t>
+              <a:t>7/12/2020</a:t>
             </a:fld>
             <a:endParaRPr lang="en-US"/>
           </a:p>
@@ -1716,7 +1712,7 @@
           <a:p>
             <a:fld id="{32F7251A-AE54-443C-B8FE-5F636E835EBF}" type="datetimeFigureOut">
               <a:rPr lang="en-US" smtClean="0"/>
-              <a:t>12/31/2017</a:t>
+              <a:t>7/12/2020</a:t>
             </a:fld>
             <a:endParaRPr lang="en-US"/>
           </a:p>
@@ -1811,7 +1807,7 @@
           <a:p>
             <a:fld id="{32F7251A-AE54-443C-B8FE-5F636E835EBF}" type="datetimeFigureOut">
               <a:rPr lang="en-US" smtClean="0"/>
-              <a:t>12/31/2017</a:t>
+              <a:t>7/12/2020</a:t>
             </a:fld>
             <a:endParaRPr lang="en-US"/>
           </a:p>
@@ -2086,7 +2082,7 @@
           <a:p>
             <a:fld id="{32F7251A-AE54-443C-B8FE-5F636E835EBF}" type="datetimeFigureOut">
               <a:rPr lang="en-US" smtClean="0"/>
-              <a:t>12/31/2017</a:t>
+              <a:t>7/12/2020</a:t>
             </a:fld>
             <a:endParaRPr lang="en-US"/>
           </a:p>
@@ -2338,7 +2334,7 @@
           <a:p>
             <a:fld id="{32F7251A-AE54-443C-B8FE-5F636E835EBF}" type="datetimeFigureOut">
               <a:rPr lang="en-US" smtClean="0"/>
-              <a:t>12/31/2017</a:t>
+              <a:t>7/12/2020</a:t>
             </a:fld>
             <a:endParaRPr lang="en-US"/>
           </a:p>
@@ -2405,7 +2401,9 @@
     <p:bg>
       <p:bgPr>
         <a:solidFill>
-          <a:srgbClr val="333333"/>
+          <a:schemeClr val="bg1">
+            <a:lumMod val="10000"/>
+          </a:schemeClr>
         </a:solidFill>
         <a:effectLst/>
       </p:bgPr>
@@ -2552,7 +2550,7 @@
           <a:p>
             <a:fld id="{32F7251A-AE54-443C-B8FE-5F636E835EBF}" type="datetimeFigureOut">
               <a:rPr lang="en-US" smtClean="0"/>
-              <a:t>12/31/2017</a:t>
+              <a:t>7/12/2020</a:t>
             </a:fld>
             <a:endParaRPr lang="en-US"/>
           </a:p>
@@ -3022,8 +3020,8 @@
         </p:nvSpPr>
         <p:spPr>
           <a:xfrm>
-            <a:off x="0" y="5804209"/>
-            <a:ext cx="12192000" cy="830997"/>
+            <a:off x="0" y="5927320"/>
+            <a:ext cx="12192000" cy="584775"/>
           </a:xfrm>
           <a:prstGeom prst="rect">
             <a:avLst/>
@@ -3038,10 +3036,12 @@
           <a:p>
             <a:pPr algn="ctr"/>
             <a:r>
-              <a:rPr lang="en-US" sz="4800" dirty="0">
+              <a:rPr lang="en-US" sz="3200" u="sng" dirty="0">
                 <a:solidFill>
                   <a:schemeClr val="bg1"/>
                 </a:solidFill>
+                <a:latin typeface="Assistant SemiBold" panose="00000700000000000000" pitchFamily="2" charset="-79"/>
+                <a:cs typeface="Assistant SemiBold" panose="00000700000000000000" pitchFamily="2" charset="-79"/>
               </a:rPr>
               <a:t>“We Gather Together”</a:t>
             </a:r>
@@ -3056,8 +3056,8 @@
         </p:nvSpPr>
         <p:spPr>
           <a:xfrm>
-            <a:off x="0" y="398892"/>
-            <a:ext cx="12192000" cy="4524315"/>
+            <a:off x="0" y="729571"/>
+            <a:ext cx="12192000" cy="3970318"/>
           </a:xfrm>
           <a:prstGeom prst="rect">
             <a:avLst/>
@@ -3072,10 +3072,12 @@
           <a:p>
             <a:pPr algn="ctr"/>
             <a:r>
-              <a:rPr lang="en-US" sz="3200" dirty="0">
+              <a:rPr lang="en-US" sz="2800" spc="50" dirty="0">
                 <a:solidFill>
                   <a:schemeClr val="bg1"/>
                 </a:solidFill>
+                <a:latin typeface="Assistant" panose="00000500000000000000" pitchFamily="2" charset="-79"/>
+                <a:cs typeface="Assistant" panose="00000500000000000000" pitchFamily="2" charset="-79"/>
               </a:rPr>
               <a:t>We gather together</a:t>
             </a:r>
@@ -3083,10 +3085,12 @@
           <a:p>
             <a:pPr algn="ctr"/>
             <a:r>
-              <a:rPr lang="en-US" sz="3200" dirty="0">
+              <a:rPr lang="en-US" sz="2800" spc="50" dirty="0">
                 <a:solidFill>
                   <a:schemeClr val="bg1"/>
                 </a:solidFill>
+                <a:latin typeface="Assistant" panose="00000500000000000000" pitchFamily="2" charset="-79"/>
+                <a:cs typeface="Assistant" panose="00000500000000000000" pitchFamily="2" charset="-79"/>
               </a:rPr>
               <a:t>To ask the Lord’s blessing;</a:t>
             </a:r>
@@ -3094,10 +3098,12 @@
           <a:p>
             <a:pPr algn="ctr"/>
             <a:r>
-              <a:rPr lang="en-US" sz="3200" dirty="0">
+              <a:rPr lang="en-US" sz="2800" spc="50" dirty="0">
                 <a:solidFill>
                   <a:schemeClr val="bg1"/>
                 </a:solidFill>
+                <a:latin typeface="Assistant" panose="00000500000000000000" pitchFamily="2" charset="-79"/>
+                <a:cs typeface="Assistant" panose="00000500000000000000" pitchFamily="2" charset="-79"/>
               </a:rPr>
               <a:t>He chastens and hastens</a:t>
             </a:r>
@@ -3105,29 +3111,35 @@
           <a:p>
             <a:pPr algn="ctr"/>
             <a:r>
-              <a:rPr lang="en-US" sz="3200" dirty="0">
+              <a:rPr lang="en-US" sz="2800" spc="50" dirty="0">
                 <a:solidFill>
                   <a:schemeClr val="bg1"/>
                 </a:solidFill>
+                <a:latin typeface="Assistant" panose="00000500000000000000" pitchFamily="2" charset="-79"/>
+                <a:cs typeface="Assistant" panose="00000500000000000000" pitchFamily="2" charset="-79"/>
               </a:rPr>
               <a:t>His will to make known;</a:t>
             </a:r>
           </a:p>
           <a:p>
             <a:pPr algn="ctr"/>
-            <a:endParaRPr lang="en-US" sz="3200" dirty="0">
+            <a:endParaRPr lang="en-US" sz="2800" spc="50" dirty="0">
               <a:solidFill>
                 <a:schemeClr val="bg1"/>
               </a:solidFill>
+              <a:latin typeface="Assistant" panose="00000500000000000000" pitchFamily="2" charset="-79"/>
+              <a:cs typeface="Assistant" panose="00000500000000000000" pitchFamily="2" charset="-79"/>
             </a:endParaRPr>
           </a:p>
           <a:p>
             <a:pPr algn="ctr"/>
             <a:r>
-              <a:rPr lang="en-US" sz="3200" dirty="0">
+              <a:rPr lang="en-US" sz="2800" spc="50" dirty="0">
                 <a:solidFill>
                   <a:schemeClr val="bg1"/>
                 </a:solidFill>
+                <a:latin typeface="Assistant" panose="00000500000000000000" pitchFamily="2" charset="-79"/>
+                <a:cs typeface="Assistant" panose="00000500000000000000" pitchFamily="2" charset="-79"/>
               </a:rPr>
               <a:t>The wicked oppressing </a:t>
             </a:r>
@@ -3135,10 +3147,12 @@
           <a:p>
             <a:pPr algn="ctr"/>
             <a:r>
-              <a:rPr lang="en-US" sz="3200" dirty="0">
+              <a:rPr lang="en-US" sz="2800" spc="50" dirty="0">
                 <a:solidFill>
                   <a:schemeClr val="bg1"/>
                 </a:solidFill>
+                <a:latin typeface="Assistant" panose="00000500000000000000" pitchFamily="2" charset="-79"/>
+                <a:cs typeface="Assistant" panose="00000500000000000000" pitchFamily="2" charset="-79"/>
               </a:rPr>
               <a:t>Cease them from distressing.</a:t>
             </a:r>
@@ -3146,10 +3160,12 @@
           <a:p>
             <a:pPr algn="ctr"/>
             <a:r>
-              <a:rPr lang="en-US" sz="3200" dirty="0">
+              <a:rPr lang="en-US" sz="2800" spc="50" dirty="0">
                 <a:solidFill>
                   <a:schemeClr val="bg1"/>
                 </a:solidFill>
+                <a:latin typeface="Assistant" panose="00000500000000000000" pitchFamily="2" charset="-79"/>
+                <a:cs typeface="Assistant" panose="00000500000000000000" pitchFamily="2" charset="-79"/>
               </a:rPr>
               <a:t>Sing praises to His name;</a:t>
             </a:r>
@@ -3157,10 +3173,12 @@
           <a:p>
             <a:pPr algn="ctr"/>
             <a:r>
-              <a:rPr lang="en-US" sz="3200" dirty="0">
+              <a:rPr lang="en-US" sz="2800" spc="50" dirty="0">
                 <a:solidFill>
                   <a:schemeClr val="bg1"/>
                 </a:solidFill>
+                <a:latin typeface="Assistant" panose="00000500000000000000" pitchFamily="2" charset="-79"/>
+                <a:cs typeface="Assistant" panose="00000500000000000000" pitchFamily="2" charset="-79"/>
               </a:rPr>
               <a:t>He forgets not His own.</a:t>
             </a:r>
@@ -3262,8 +3280,8 @@
         </p:nvSpPr>
         <p:spPr>
           <a:xfrm>
-            <a:off x="0" y="5804209"/>
-            <a:ext cx="12192000" cy="830997"/>
+            <a:off x="0" y="5927320"/>
+            <a:ext cx="12192000" cy="584775"/>
           </a:xfrm>
           <a:prstGeom prst="rect">
             <a:avLst/>
@@ -3278,10 +3296,12 @@
           <a:p>
             <a:pPr algn="ctr"/>
             <a:r>
-              <a:rPr lang="en-US" sz="4800" dirty="0">
+              <a:rPr lang="en-US" sz="3200" u="sng" dirty="0">
                 <a:solidFill>
                   <a:schemeClr val="bg1"/>
                 </a:solidFill>
+                <a:latin typeface="Assistant SemiBold" panose="00000700000000000000" pitchFamily="2" charset="-79"/>
+                <a:cs typeface="Assistant SemiBold" panose="00000700000000000000" pitchFamily="2" charset="-79"/>
               </a:rPr>
               <a:t>“We Gather Together”</a:t>
             </a:r>
@@ -3296,8 +3316,8 @@
         </p:nvSpPr>
         <p:spPr>
           <a:xfrm>
-            <a:off x="0" y="398892"/>
-            <a:ext cx="12192000" cy="4524315"/>
+            <a:off x="0" y="729571"/>
+            <a:ext cx="12192000" cy="3970318"/>
           </a:xfrm>
           <a:prstGeom prst="rect">
             <a:avLst/>
@@ -3312,10 +3332,12 @@
           <a:p>
             <a:pPr algn="ctr"/>
             <a:r>
-              <a:rPr lang="en-US" sz="3200" dirty="0">
+              <a:rPr lang="en-US" sz="2800" spc="50" dirty="0">
                 <a:solidFill>
                   <a:schemeClr val="bg1"/>
                 </a:solidFill>
+                <a:latin typeface="Assistant" panose="00000500000000000000" pitchFamily="2" charset="-79"/>
+                <a:cs typeface="Assistant" panose="00000500000000000000" pitchFamily="2" charset="-79"/>
               </a:rPr>
               <a:t>Beside us to guide us,</a:t>
             </a:r>
@@ -3323,10 +3345,12 @@
           <a:p>
             <a:pPr algn="ctr"/>
             <a:r>
-              <a:rPr lang="en-US" sz="3200" dirty="0">
+              <a:rPr lang="en-US" sz="2800" spc="50" dirty="0">
                 <a:solidFill>
                   <a:schemeClr val="bg1"/>
                 </a:solidFill>
+                <a:latin typeface="Assistant" panose="00000500000000000000" pitchFamily="2" charset="-79"/>
+                <a:cs typeface="Assistant" panose="00000500000000000000" pitchFamily="2" charset="-79"/>
               </a:rPr>
               <a:t>Our God with us joining,</a:t>
             </a:r>
@@ -3334,10 +3358,12 @@
           <a:p>
             <a:pPr algn="ctr"/>
             <a:r>
-              <a:rPr lang="en-US" sz="3200" dirty="0">
+              <a:rPr lang="en-US" sz="2800" spc="50" dirty="0">
                 <a:solidFill>
                   <a:schemeClr val="bg1"/>
                 </a:solidFill>
+                <a:latin typeface="Assistant" panose="00000500000000000000" pitchFamily="2" charset="-79"/>
+                <a:cs typeface="Assistant" panose="00000500000000000000" pitchFamily="2" charset="-79"/>
               </a:rPr>
               <a:t>Ordaining, maintaining</a:t>
             </a:r>
@@ -3345,29 +3371,35 @@
           <a:p>
             <a:pPr algn="ctr"/>
             <a:r>
-              <a:rPr lang="en-US" sz="3200" dirty="0">
+              <a:rPr lang="en-US" sz="2800" spc="50" dirty="0">
                 <a:solidFill>
                   <a:schemeClr val="bg1"/>
                 </a:solidFill>
+                <a:latin typeface="Assistant" panose="00000500000000000000" pitchFamily="2" charset="-79"/>
+                <a:cs typeface="Assistant" panose="00000500000000000000" pitchFamily="2" charset="-79"/>
               </a:rPr>
               <a:t>His kingdom divine;</a:t>
             </a:r>
           </a:p>
           <a:p>
             <a:pPr algn="ctr"/>
-            <a:endParaRPr lang="en-US" sz="3200" dirty="0">
+            <a:endParaRPr lang="en-US" sz="2800" spc="50" dirty="0">
               <a:solidFill>
                 <a:schemeClr val="bg1"/>
               </a:solidFill>
+              <a:latin typeface="Assistant" panose="00000500000000000000" pitchFamily="2" charset="-79"/>
+              <a:cs typeface="Assistant" panose="00000500000000000000" pitchFamily="2" charset="-79"/>
             </a:endParaRPr>
           </a:p>
           <a:p>
             <a:pPr algn="ctr"/>
             <a:r>
-              <a:rPr lang="en-US" sz="3200" dirty="0">
+              <a:rPr lang="en-US" sz="2800" spc="50" dirty="0">
                 <a:solidFill>
                   <a:schemeClr val="bg1"/>
                 </a:solidFill>
+                <a:latin typeface="Assistant" panose="00000500000000000000" pitchFamily="2" charset="-79"/>
+                <a:cs typeface="Assistant" panose="00000500000000000000" pitchFamily="2" charset="-79"/>
               </a:rPr>
               <a:t>So from the beginning</a:t>
             </a:r>
@@ -3375,10 +3407,12 @@
           <a:p>
             <a:pPr algn="ctr"/>
             <a:r>
-              <a:rPr lang="en-US" sz="3200" dirty="0">
+              <a:rPr lang="en-US" sz="2800" spc="50" dirty="0">
                 <a:solidFill>
                   <a:schemeClr val="bg1"/>
                 </a:solidFill>
+                <a:latin typeface="Assistant" panose="00000500000000000000" pitchFamily="2" charset="-79"/>
+                <a:cs typeface="Assistant" panose="00000500000000000000" pitchFamily="2" charset="-79"/>
               </a:rPr>
               <a:t>The fight we were winning;</a:t>
             </a:r>
@@ -3386,26 +3420,32 @@
           <a:p>
             <a:pPr algn="ctr"/>
             <a:r>
-              <a:rPr lang="en-US" sz="3200" dirty="0">
+              <a:rPr lang="en-US" sz="2800" spc="50" dirty="0">
                 <a:solidFill>
                   <a:schemeClr val="bg1"/>
                 </a:solidFill>
+                <a:latin typeface="Assistant" panose="00000500000000000000" pitchFamily="2" charset="-79"/>
+                <a:cs typeface="Assistant" panose="00000500000000000000" pitchFamily="2" charset="-79"/>
               </a:rPr>
               <a:t>Thou, Lord, </a:t>
             </a:r>
             <a:r>
-              <a:rPr lang="en-US" sz="3200" dirty="0" err="1">
+              <a:rPr lang="en-US" sz="2800" spc="50" dirty="0" err="1">
                 <a:solidFill>
                   <a:schemeClr val="bg1"/>
                 </a:solidFill>
+                <a:latin typeface="Assistant" panose="00000500000000000000" pitchFamily="2" charset="-79"/>
+                <a:cs typeface="Assistant" panose="00000500000000000000" pitchFamily="2" charset="-79"/>
               </a:rPr>
               <a:t>wast</a:t>
             </a:r>
             <a:r>
-              <a:rPr lang="en-US" sz="3200" dirty="0">
+              <a:rPr lang="en-US" sz="2800" spc="50" dirty="0">
                 <a:solidFill>
                   <a:schemeClr val="bg1"/>
                 </a:solidFill>
+                <a:latin typeface="Assistant" panose="00000500000000000000" pitchFamily="2" charset="-79"/>
+                <a:cs typeface="Assistant" panose="00000500000000000000" pitchFamily="2" charset="-79"/>
               </a:rPr>
               <a:t> at our side;</a:t>
             </a:r>
@@ -3413,10 +3453,12 @@
           <a:p>
             <a:pPr algn="ctr"/>
             <a:r>
-              <a:rPr lang="en-US" sz="3200" dirty="0">
+              <a:rPr lang="en-US" sz="2800" spc="50" dirty="0">
                 <a:solidFill>
                   <a:schemeClr val="bg1"/>
                 </a:solidFill>
+                <a:latin typeface="Assistant" panose="00000500000000000000" pitchFamily="2" charset="-79"/>
+                <a:cs typeface="Assistant" panose="00000500000000000000" pitchFamily="2" charset="-79"/>
               </a:rPr>
               <a:t>The glory be Thing!</a:t>
             </a:r>
@@ -3518,8 +3560,8 @@
         </p:nvSpPr>
         <p:spPr>
           <a:xfrm>
-            <a:off x="0" y="5804209"/>
-            <a:ext cx="12192000" cy="830997"/>
+            <a:off x="0" y="5927320"/>
+            <a:ext cx="12192000" cy="584775"/>
           </a:xfrm>
           <a:prstGeom prst="rect">
             <a:avLst/>
@@ -3534,10 +3576,12 @@
           <a:p>
             <a:pPr algn="ctr"/>
             <a:r>
-              <a:rPr lang="en-US" sz="4800" dirty="0">
+              <a:rPr lang="en-US" sz="3200" u="sng" dirty="0">
                 <a:solidFill>
                   <a:schemeClr val="bg1"/>
                 </a:solidFill>
+                <a:latin typeface="Assistant SemiBold" panose="00000700000000000000" pitchFamily="2" charset="-79"/>
+                <a:cs typeface="Assistant SemiBold" panose="00000700000000000000" pitchFamily="2" charset="-79"/>
               </a:rPr>
               <a:t>“We Gather Together”</a:t>
             </a:r>
@@ -3552,8 +3596,8 @@
         </p:nvSpPr>
         <p:spPr>
           <a:xfrm>
-            <a:off x="0" y="398892"/>
-            <a:ext cx="12192000" cy="4524315"/>
+            <a:off x="0" y="729571"/>
+            <a:ext cx="12192000" cy="3970318"/>
           </a:xfrm>
           <a:prstGeom prst="rect">
             <a:avLst/>
@@ -3568,10 +3612,12 @@
           <a:p>
             <a:pPr algn="ctr"/>
             <a:r>
-              <a:rPr lang="en-US" sz="3200" dirty="0">
+              <a:rPr lang="en-US" sz="2800" spc="50" dirty="0">
                 <a:solidFill>
                   <a:schemeClr val="bg1"/>
                 </a:solidFill>
+                <a:latin typeface="Assistant" panose="00000500000000000000" pitchFamily="2" charset="-79"/>
+                <a:cs typeface="Assistant" panose="00000500000000000000" pitchFamily="2" charset="-79"/>
               </a:rPr>
               <a:t>We all do extol Thee,</a:t>
             </a:r>
@@ -3579,10 +3625,12 @@
           <a:p>
             <a:pPr algn="ctr"/>
             <a:r>
-              <a:rPr lang="en-US" sz="3200" dirty="0">
+              <a:rPr lang="en-US" sz="2800" spc="50" dirty="0">
                 <a:solidFill>
                   <a:schemeClr val="bg1"/>
                 </a:solidFill>
+                <a:latin typeface="Assistant" panose="00000500000000000000" pitchFamily="2" charset="-79"/>
+                <a:cs typeface="Assistant" panose="00000500000000000000" pitchFamily="2" charset="-79"/>
               </a:rPr>
               <a:t>Thou leader triumphant,</a:t>
             </a:r>
@@ -3590,10 +3638,12 @@
           <a:p>
             <a:pPr algn="ctr"/>
             <a:r>
-              <a:rPr lang="en-US" sz="3200" dirty="0">
+              <a:rPr lang="en-US" sz="2800" spc="50" dirty="0">
                 <a:solidFill>
                   <a:schemeClr val="bg1"/>
                 </a:solidFill>
+                <a:latin typeface="Assistant" panose="00000500000000000000" pitchFamily="2" charset="-79"/>
+                <a:cs typeface="Assistant" panose="00000500000000000000" pitchFamily="2" charset="-79"/>
               </a:rPr>
               <a:t>And pray that Thou still our</a:t>
             </a:r>
@@ -3601,29 +3651,35 @@
           <a:p>
             <a:pPr algn="ctr"/>
             <a:r>
-              <a:rPr lang="en-US" sz="3200" dirty="0">
+              <a:rPr lang="en-US" sz="2800" spc="50" dirty="0">
                 <a:solidFill>
                   <a:schemeClr val="bg1"/>
                 </a:solidFill>
+                <a:latin typeface="Assistant" panose="00000500000000000000" pitchFamily="2" charset="-79"/>
+                <a:cs typeface="Assistant" panose="00000500000000000000" pitchFamily="2" charset="-79"/>
               </a:rPr>
               <a:t>Defender wilt be.</a:t>
             </a:r>
           </a:p>
           <a:p>
             <a:pPr algn="ctr"/>
-            <a:endParaRPr lang="en-US" sz="3200" dirty="0">
+            <a:endParaRPr lang="en-US" sz="2800" spc="50" dirty="0">
               <a:solidFill>
                 <a:schemeClr val="bg1"/>
               </a:solidFill>
+              <a:latin typeface="Assistant" panose="00000500000000000000" pitchFamily="2" charset="-79"/>
+              <a:cs typeface="Assistant" panose="00000500000000000000" pitchFamily="2" charset="-79"/>
             </a:endParaRPr>
           </a:p>
           <a:p>
             <a:pPr algn="ctr"/>
             <a:r>
-              <a:rPr lang="en-US" sz="3200" dirty="0">
+              <a:rPr lang="en-US" sz="2800" spc="50" dirty="0">
                 <a:solidFill>
                   <a:schemeClr val="bg1"/>
                 </a:solidFill>
+                <a:latin typeface="Assistant" panose="00000500000000000000" pitchFamily="2" charset="-79"/>
+                <a:cs typeface="Assistant" panose="00000500000000000000" pitchFamily="2" charset="-79"/>
               </a:rPr>
               <a:t>Let Thy congregation</a:t>
             </a:r>
@@ -3631,10 +3687,12 @@
           <a:p>
             <a:pPr algn="ctr"/>
             <a:r>
-              <a:rPr lang="en-US" sz="3200" dirty="0">
+              <a:rPr lang="en-US" sz="2800" spc="50" dirty="0">
                 <a:solidFill>
                   <a:schemeClr val="bg1"/>
                 </a:solidFill>
+                <a:latin typeface="Assistant" panose="00000500000000000000" pitchFamily="2" charset="-79"/>
+                <a:cs typeface="Assistant" panose="00000500000000000000" pitchFamily="2" charset="-79"/>
               </a:rPr>
               <a:t>Escape tribulation,</a:t>
             </a:r>
@@ -3642,10 +3700,12 @@
           <a:p>
             <a:pPr algn="ctr"/>
             <a:r>
-              <a:rPr lang="en-US" sz="3200" dirty="0">
+              <a:rPr lang="en-US" sz="2800" spc="50" dirty="0">
                 <a:solidFill>
                   <a:schemeClr val="bg1"/>
                 </a:solidFill>
+                <a:latin typeface="Assistant" panose="00000500000000000000" pitchFamily="2" charset="-79"/>
+                <a:cs typeface="Assistant" panose="00000500000000000000" pitchFamily="2" charset="-79"/>
               </a:rPr>
               <a:t>Thy name be ever praised!</a:t>
             </a:r>
@@ -3653,20 +3713,14 @@
           <a:p>
             <a:pPr algn="ctr"/>
             <a:r>
-              <a:rPr lang="en-US" sz="3200" dirty="0">
+              <a:rPr lang="en-US" sz="2800" spc="50" dirty="0">
                 <a:solidFill>
                   <a:schemeClr val="bg1"/>
                 </a:solidFill>
+                <a:latin typeface="Assistant" panose="00000500000000000000" pitchFamily="2" charset="-79"/>
+                <a:cs typeface="Assistant" panose="00000500000000000000" pitchFamily="2" charset="-79"/>
               </a:rPr>
-              <a:t>O Lord, make </a:t>
-            </a:r>
-            <a:r>
-              <a:rPr lang="en-US" sz="3200">
-                <a:solidFill>
-                  <a:schemeClr val="bg1"/>
-                </a:solidFill>
-              </a:rPr>
-              <a:t>us free!</a:t>
+              <a:t>O Lord, make us free!</a:t>
             </a:r>
           </a:p>
         </p:txBody>
